--- a/dev/hex_subplot.pptx
+++ b/dev/hex_subplot.pptx
@@ -3323,10 +3323,10 @@
       </p:grpSpPr>
       <p:grpSp>
         <p:nvGrpSpPr>
-          <p:cNvPr id="37" name="Group 36">
-            <a:extLst>
-              <a:ext uri="{FF2B5EF4-FFF2-40B4-BE49-F238E27FC236}">
-                <a16:creationId xmlns:a16="http://schemas.microsoft.com/office/drawing/2014/main" id="{625F78BA-BF39-3E02-74FC-CD926507BF99}"/>
+          <p:cNvPr id="39" name="Group 38">
+            <a:extLst>
+              <a:ext uri="{FF2B5EF4-FFF2-40B4-BE49-F238E27FC236}">
+                <a16:creationId xmlns:a16="http://schemas.microsoft.com/office/drawing/2014/main" id="{9D806FE2-67E6-8391-0A22-48537DE24151}"/>
               </a:ext>
             </a:extLst>
           </p:cNvPr>
@@ -3335,9 +3335,9 @@
         </p:nvGrpSpPr>
         <p:grpSpPr>
           <a:xfrm>
-            <a:off x="2667000" y="0"/>
+            <a:off x="2667000" y="482885"/>
             <a:ext cx="6858000" cy="6858000"/>
-            <a:chOff x="4837949" y="0"/>
+            <a:chOff x="2667000" y="482885"/>
             <a:chExt cx="6858000" cy="6858000"/>
           </a:xfrm>
         </p:grpSpPr>
@@ -3375,7 +3375,7 @@
           </p:blipFill>
           <p:spPr>
             <a:xfrm>
-              <a:off x="4837949" y="0"/>
+              <a:off x="2667000" y="482885"/>
               <a:ext cx="6858000" cy="6858000"/>
             </a:xfrm>
             <a:prstGeom prst="rect">
@@ -3397,7 +3397,7 @@
           </p:nvSpPr>
           <p:spPr>
             <a:xfrm>
-              <a:off x="6620474" y="3805326"/>
+              <a:off x="4449525" y="4288211"/>
               <a:ext cx="2846510" cy="2225604"/>
             </a:xfrm>
             <a:prstGeom prst="roundRect">
@@ -3453,7 +3453,7 @@
           </p:nvSpPr>
           <p:spPr>
             <a:xfrm rot="5400000">
-              <a:off x="6946449" y="4737327"/>
+              <a:off x="4815840" y="5226387"/>
               <a:ext cx="2194560" cy="365760"/>
             </a:xfrm>
             <a:prstGeom prst="roundRect">
@@ -3507,7 +3507,7 @@
           </p:nvSpPr>
           <p:spPr>
             <a:xfrm rot="2036612">
-              <a:off x="6464606" y="4707507"/>
+              <a:off x="4293657" y="5190392"/>
               <a:ext cx="3201245" cy="421241"/>
             </a:xfrm>
             <a:prstGeom prst="roundRect">
@@ -3563,7 +3563,7 @@
           </p:nvSpPr>
           <p:spPr>
             <a:xfrm rot="19563388" flipH="1">
-              <a:off x="6464605" y="4729672"/>
+              <a:off x="4293656" y="5212557"/>
               <a:ext cx="3201245" cy="421241"/>
             </a:xfrm>
             <a:prstGeom prst="roundRect">
@@ -3605,131 +3605,112 @@
             </a:p>
           </p:txBody>
         </p:sp>
-        <p:grpSp>
-          <p:nvGrpSpPr>
-            <p:cNvPr id="33" name="Group 32">
+        <p:sp>
+          <p:nvSpPr>
+            <p:cNvPr id="38" name="Rounded Rectangle 37">
               <a:extLst>
                 <a:ext uri="{FF2B5EF4-FFF2-40B4-BE49-F238E27FC236}">
-                  <a16:creationId xmlns:a16="http://schemas.microsoft.com/office/drawing/2014/main" id="{8C424865-CD5F-0F6F-916E-84189B958AD5}"/>
+                  <a16:creationId xmlns:a16="http://schemas.microsoft.com/office/drawing/2014/main" id="{09B15EB7-4098-F33A-B85E-0570FF5790D8}"/>
                 </a:ext>
               </a:extLst>
             </p:cNvPr>
-            <p:cNvGrpSpPr/>
+            <p:cNvSpPr/>
             <p:nvPr/>
-          </p:nvGrpSpPr>
-          <p:grpSpPr>
+          </p:nvSpPr>
+          <p:spPr>
             <a:xfrm>
-              <a:off x="6575346" y="4448872"/>
-              <a:ext cx="2935345" cy="1078625"/>
-              <a:chOff x="2457633" y="5538439"/>
-              <a:chExt cx="2935345" cy="1078625"/>
+              <a:off x="4438540" y="5022599"/>
+              <a:ext cx="2890927" cy="884002"/>
             </a:xfrm>
-          </p:grpSpPr>
-          <p:sp>
-            <p:nvSpPr>
-              <p:cNvPr id="34" name="Rectangle 33">
-                <a:extLst>
-                  <a:ext uri="{FF2B5EF4-FFF2-40B4-BE49-F238E27FC236}">
-                    <a16:creationId xmlns:a16="http://schemas.microsoft.com/office/drawing/2014/main" id="{9B1D319C-C861-A49F-0F0E-23D801FD9BCF}"/>
-                  </a:ext>
-                </a:extLst>
-              </p:cNvPr>
-              <p:cNvSpPr/>
-              <p:nvPr/>
-            </p:nvSpPr>
-            <p:spPr>
-              <a:xfrm>
-                <a:off x="2457633" y="5538439"/>
-                <a:ext cx="2935345" cy="1078625"/>
-              </a:xfrm>
-              <a:prstGeom prst="rect">
-                <a:avLst/>
-              </a:prstGeom>
+            <a:prstGeom prst="roundRect">
+              <a:avLst>
+                <a:gd name="adj" fmla="val 28664"/>
+              </a:avLst>
+            </a:prstGeom>
+            <a:solidFill>
+              <a:schemeClr val="bg1"/>
+            </a:solidFill>
+            <a:ln w="76200">
               <a:solidFill>
-                <a:schemeClr val="bg1"/>
+                <a:schemeClr val="tx1"/>
               </a:solidFill>
-              <a:ln w="76200">
-                <a:solidFill>
-                  <a:schemeClr val="tx1"/>
-                </a:solidFill>
-              </a:ln>
-            </p:spPr>
-            <p:style>
-              <a:lnRef idx="2">
-                <a:schemeClr val="accent1">
-                  <a:shade val="50000"/>
-                </a:schemeClr>
-              </a:lnRef>
-              <a:fillRef idx="1">
-                <a:schemeClr val="accent1"/>
-              </a:fillRef>
-              <a:effectRef idx="0">
-                <a:schemeClr val="accent1"/>
-              </a:effectRef>
-              <a:fontRef idx="minor">
-                <a:schemeClr val="lt1"/>
-              </a:fontRef>
-            </p:style>
-            <p:txBody>
-              <a:bodyPr rtlCol="0" anchor="ctr"/>
-              <a:lstStyle/>
-              <a:p>
-                <a:pPr algn="ctr"/>
-                <a:endParaRPr lang="en-US" dirty="0"/>
-              </a:p>
-            </p:txBody>
-          </p:sp>
-          <p:sp>
-            <p:nvSpPr>
-              <p:cNvPr id="35" name="TextBox 34">
-                <a:extLst>
-                  <a:ext uri="{FF2B5EF4-FFF2-40B4-BE49-F238E27FC236}">
-                    <a16:creationId xmlns:a16="http://schemas.microsoft.com/office/drawing/2014/main" id="{70D4069A-4DC0-8B7D-47CD-E02DEF86F85B}"/>
-                  </a:ext>
-                </a:extLst>
-              </p:cNvPr>
-              <p:cNvSpPr txBox="1"/>
-              <p:nvPr/>
-            </p:nvSpPr>
-            <p:spPr>
-              <a:xfrm>
-                <a:off x="2506360" y="5778895"/>
-                <a:ext cx="2763748" cy="584775"/>
-              </a:xfrm>
-              <a:prstGeom prst="rect">
-                <a:avLst/>
-              </a:prstGeom>
-              <a:noFill/>
-            </p:spPr>
-            <p:txBody>
-              <a:bodyPr wrap="square" rtlCol="0">
-                <a:spAutoFit/>
-              </a:bodyPr>
-              <a:lstStyle/>
-              <a:p>
-                <a:r>
-                  <a:rPr lang="en-US" sz="3200" b="1" i="1" dirty="0">
-                    <a:solidFill>
-                      <a:srgbClr val="000066"/>
-                    </a:solidFill>
-                    <a:latin typeface="Silom" pitchFamily="2" charset="-34"/>
-                    <a:ea typeface="Silom" pitchFamily="2" charset="-34"/>
-                    <a:cs typeface="Silom" pitchFamily="2" charset="-34"/>
-                  </a:rPr>
-                  <a:t>UKBBcleanR</a:t>
-                </a:r>
-                <a:endParaRPr lang="en-US" sz="2600" b="1" i="1" dirty="0">
+            </a:ln>
+          </p:spPr>
+          <p:style>
+            <a:lnRef idx="2">
+              <a:schemeClr val="accent1">
+                <a:shade val="50000"/>
+              </a:schemeClr>
+            </a:lnRef>
+            <a:fillRef idx="1">
+              <a:schemeClr val="accent1"/>
+            </a:fillRef>
+            <a:effectRef idx="0">
+              <a:schemeClr val="accent1"/>
+            </a:effectRef>
+            <a:fontRef idx="minor">
+              <a:schemeClr val="lt1"/>
+            </a:fontRef>
+          </p:style>
+          <p:txBody>
+            <a:bodyPr rtlCol="0" anchor="ctr"/>
+            <a:lstStyle/>
+            <a:p>
+              <a:pPr algn="ctr"/>
+              <a:endParaRPr lang="en-US"/>
+            </a:p>
+          </p:txBody>
+        </p:sp>
+        <p:sp>
+          <p:nvSpPr>
+            <p:cNvPr id="35" name="TextBox 34">
+              <a:extLst>
+                <a:ext uri="{FF2B5EF4-FFF2-40B4-BE49-F238E27FC236}">
+                  <a16:creationId xmlns:a16="http://schemas.microsoft.com/office/drawing/2014/main" id="{70D4069A-4DC0-8B7D-47CD-E02DEF86F85B}"/>
+                </a:ext>
+              </a:extLst>
+            </p:cNvPr>
+            <p:cNvSpPr txBox="1"/>
+            <p:nvPr/>
+          </p:nvSpPr>
+          <p:spPr>
+            <a:xfrm>
+              <a:off x="4453124" y="5172213"/>
+              <a:ext cx="2763748" cy="584775"/>
+            </a:xfrm>
+            <a:prstGeom prst="rect">
+              <a:avLst/>
+            </a:prstGeom>
+            <a:noFill/>
+          </p:spPr>
+          <p:txBody>
+            <a:bodyPr wrap="square" rtlCol="0">
+              <a:spAutoFit/>
+            </a:bodyPr>
+            <a:lstStyle/>
+            <a:p>
+              <a:r>
+                <a:rPr lang="en-US" sz="3200" b="1" i="1" dirty="0">
                   <a:solidFill>
                     <a:srgbClr val="000066"/>
                   </a:solidFill>
                   <a:latin typeface="Silom" pitchFamily="2" charset="-34"/>
                   <a:ea typeface="Silom" pitchFamily="2" charset="-34"/>
                   <a:cs typeface="Silom" pitchFamily="2" charset="-34"/>
-                </a:endParaRPr>
-              </a:p>
-            </p:txBody>
-          </p:sp>
-        </p:grpSp>
+                </a:rPr>
+                <a:t>UKBBcleanR</a:t>
+              </a:r>
+              <a:endParaRPr lang="en-US" sz="2600" b="1" i="1" dirty="0">
+                <a:solidFill>
+                  <a:srgbClr val="000066"/>
+                </a:solidFill>
+                <a:latin typeface="Silom" pitchFamily="2" charset="-34"/>
+                <a:ea typeface="Silom" pitchFamily="2" charset="-34"/>
+                <a:cs typeface="Silom" pitchFamily="2" charset="-34"/>
+              </a:endParaRPr>
+            </a:p>
+          </p:txBody>
+        </p:sp>
       </p:grpSp>
     </p:spTree>
     <p:extLst>
